--- a/slide-level/slide-level.pptx
+++ b/slide-level/slide-level.pptx
@@ -7,6 +7,12 @@
   <p:sldIdLst>
     <p:sldId id="256" r:id="rId2"/>
     <p:sldId id="257" r:id="rId3"/>
+    <p:sldId id="258" r:id="rId4"/>
+    <p:sldId id="259" r:id="rId5"/>
+    <p:sldId id="260" r:id="rId6"/>
+    <p:sldId id="261" r:id="rId7"/>
+    <p:sldId id="262" r:id="rId8"/>
+    <p:sldId id="263" r:id="rId9"/>
   </p:sldIdLst>
   <p:sldSz cx="9144000" cy="6858000" type="screen4x3"/>
   <p:notesSz cx="6858000" cy="9144000"/>
@@ -3119,15 +3125,10 @@
             <a:spLocks noGrp="1"/>
           </p:cNvSpPr>
           <p:nvPr>
-            <p:ph type="ctrTitle"/>
-          </p:nvPr>
-        </p:nvSpPr>
-        <p:spPr>
-          <a:xfrm>
-            <a:off x="685800" y="2130425"/>
-            <a:ext cx="7772400" cy="1470025"/>
-          </a:xfrm>
-        </p:spPr>
+            <p:ph type="title"/>
+          </p:nvPr>
+        </p:nvSpPr>
+        <p:spPr/>
         <p:txBody>
           <a:bodyPr/>
           <a:lstStyle/>
@@ -3137,36 +3138,71 @@
             </a:pPr>
             <a:r>
               <a:rPr/>
-              <a:t>PowerPoint</a:t>
-            </a:r>
-          </a:p>
-        </p:txBody>
-      </p:sp>
-      <p:sp>
-        <p:nvSpPr>
-          <p:cNvPr id="3" name="Subtitle 2"/>
-          <p:cNvSpPr>
-            <a:spLocks noGrp="1"/>
-          </p:cNvSpPr>
-          <p:nvPr>
-            <p:ph type="subTitle" idx="1"/>
-          </p:nvPr>
-        </p:nvSpPr>
-        <p:spPr>
-          <a:xfrm>
-            <a:off x="1371600" y="3886200"/>
-            <a:ext cx="6400800" cy="1752600"/>
-          </a:xfrm>
-        </p:spPr>
-        <p:txBody>
-          <a:bodyPr/>
-          <a:lstStyle/>
-          <a:p>
-            <a:pPr lvl="0" marL="0" indent="0">
-              <a:buNone/>
+              <a:t>Slide</a:t>
+            </a:r>
+            <a:r>
+              <a:rPr/>
+              <a:t> </a:t>
+            </a:r>
+            <a:r>
+              <a:rPr/>
+              <a:t>types</a:t>
+            </a:r>
+          </a:p>
+        </p:txBody>
+      </p:sp>
+      <p:sp>
+        <p:nvSpPr>
+          <p:cNvPr id="3" name="Content Placeholder 2"/>
+          <p:cNvSpPr>
+            <a:spLocks noGrp="1"/>
+          </p:cNvSpPr>
+          <p:nvPr>
+            <p:ph idx="1"/>
+          </p:nvPr>
+        </p:nvSpPr>
+        <p:spPr/>
+        <p:txBody>
+          <a:bodyPr/>
+          <a:lstStyle/>
+          <a:p>
+            <a:pPr lvl="1">
+              <a:buAutoNum type="arabicPeriod"/>
             </a:pPr>
-            <a:br/>
-            <a:br/>
+            <a:r>
+              <a:rPr b="1"/>
+              <a:t>Title slide</a:t>
+            </a:r>
+            <a:r>
+              <a:rPr/>
+              <a:t> [optional] defined in the YAML header.</a:t>
+            </a:r>
+          </a:p>
+          <a:p>
+            <a:pPr lvl="1">
+              <a:buAutoNum type="arabicPeriod"/>
+            </a:pPr>
+            <a:r>
+              <a:rPr b="1"/>
+              <a:t>Section header slides</a:t>
+            </a:r>
+            <a:r>
+              <a:rPr/>
+              <a:t> [optional] break the presentation into sections. These slides have a section header but no content.</a:t>
+            </a:r>
+          </a:p>
+          <a:p>
+            <a:pPr lvl="1">
+              <a:buAutoNum type="arabicPeriod"/>
+            </a:pPr>
+            <a:r>
+              <a:rPr b="1"/>
+              <a:t>Title and content slides</a:t>
+            </a:r>
+            <a:r>
+              <a:rPr/>
+              <a:t> display the content in your presentation.</a:t>
+            </a:r>
           </a:p>
         </p:txBody>
       </p:sp>
@@ -3212,7 +3248,7 @@
             </a:pPr>
             <a:r>
               <a:rPr/>
-              <a:t>Slide</a:t>
+              <a:t>Setting</a:t>
             </a:r>
             <a:r>
               <a:rPr/>
@@ -3220,7 +3256,23 @@
             </a:r>
             <a:r>
               <a:rPr/>
-              <a:t>Title</a:t>
+              <a:t>the</a:t>
+            </a:r>
+            <a:r>
+              <a:rPr/>
+              <a:t> </a:t>
+            </a:r>
+            <a:r>
+              <a:rPr/>
+              <a:t>slide</a:t>
+            </a:r>
+            <a:r>
+              <a:rPr/>
+              <a:t> </a:t>
+            </a:r>
+            <a:r>
+              <a:rPr/>
+              <a:t>level</a:t>
             </a:r>
           </a:p>
         </p:txBody>
@@ -3245,17 +3297,492 @@
             </a:pPr>
             <a:r>
               <a:rPr/>
-              <a:t>This presentation has one content slide because of the option: </a:t>
+              <a:t>By default, the slide level is the highest header level in the hierarchy that is followed immediately by content, and not another header, somewhere in the document. Override using the </a:t>
             </a:r>
             <a:r>
               <a:rPr sz="1800">
                 <a:latin typeface="Courier"/>
               </a:rPr>
-              <a:t>slidel level: 1</a:t>
+              <a:t>slide-level</a:t>
+            </a:r>
+            <a:r>
+              <a:rPr/>
+              <a:t> option. For details, see </a:t>
+            </a:r>
+            <a:r>
+              <a:rPr i="1"/>
+              <a:t>Structuring the Slide Show</a:t>
+            </a:r>
+            <a:r>
+              <a:rPr/>
+              <a:t> in the </a:t>
+            </a:r>
+            <a:r>
+              <a:rPr>
+                <a:hlinkClick r:id="rId2"/>
+              </a:rPr>
+              <a:t>Pandoc Manual</a:t>
             </a:r>
             <a:r>
               <a:rPr/>
               <a:t>.</a:t>
+            </a:r>
+          </a:p>
+        </p:txBody>
+      </p:sp>
+    </p:spTree>
+  </p:cSld>
+</p:sld>
+</file>
+
+<file path=ppt/slides/slide3.xml><?xml version="1.0" encoding="utf-8"?>
+<p:sld xmlns:a="http://schemas.openxmlformats.org/drawingml/2006/main" xmlns:r="http://schemas.openxmlformats.org/officeDocument/2006/relationships" xmlns:p="http://schemas.openxmlformats.org/presentationml/2006/main">
+  <p:cSld>
+    <p:spTree>
+      <p:nvGrpSpPr>
+        <p:cNvPr id="1" name=""/>
+        <p:cNvGrpSpPr/>
+        <p:nvPr/>
+      </p:nvGrpSpPr>
+      <p:grpSpPr>
+        <a:xfrm>
+          <a:off x="0" y="0"/>
+          <a:ext cx="0" cy="0"/>
+          <a:chOff x="0" y="0"/>
+          <a:chExt cx="0" cy="0"/>
+        </a:xfrm>
+      </p:grpSpPr>
+      <p:sp>
+        <p:nvSpPr>
+          <p:cNvPr id="2" name="Title 1"/>
+          <p:cNvSpPr>
+            <a:spLocks noGrp="1"/>
+          </p:cNvSpPr>
+          <p:nvPr>
+            <p:ph type="title"/>
+          </p:nvPr>
+        </p:nvSpPr>
+        <p:spPr/>
+        <p:txBody>
+          <a:bodyPr/>
+          <a:lstStyle/>
+          <a:p>
+            <a:pPr lvl="0" marL="0" indent="0">
+              <a:buNone/>
+            </a:pPr>
+            <a:r>
+              <a:rPr/>
+              <a:t>Rules</a:t>
+            </a:r>
+          </a:p>
+        </p:txBody>
+      </p:sp>
+      <p:sp>
+        <p:nvSpPr>
+          <p:cNvPr id="3" name="Content Placeholder 2"/>
+          <p:cNvSpPr>
+            <a:spLocks noGrp="1"/>
+          </p:cNvSpPr>
+          <p:nvPr>
+            <p:ph idx="1"/>
+          </p:nvPr>
+        </p:nvSpPr>
+        <p:spPr/>
+        <p:txBody>
+          <a:bodyPr/>
+          <a:lstStyle/>
+          <a:p>
+            <a:pPr lvl="1"/>
+            <a:r>
+              <a:rPr/>
+              <a:t>A horizontal rule always starts a new slide</a:t>
+            </a:r>
+          </a:p>
+          <a:p>
+            <a:pPr lvl="1"/>
+            <a:r>
+              <a:rPr/>
+              <a:t>A header at the slide level always starts a new slide</a:t>
+            </a:r>
+          </a:p>
+          <a:p>
+            <a:pPr lvl="1"/>
+            <a:r>
+              <a:rPr/>
+              <a:t>Headers below the slide level in the hierarchy create headers within a slide</a:t>
+            </a:r>
+          </a:p>
+          <a:p>
+            <a:pPr lvl="1"/>
+            <a:r>
+              <a:rPr/>
+              <a:t>Headers above the slide level in the hierarchy create </a:t>
+            </a:r>
+            <a:r>
+              <a:rPr i="1"/>
+              <a:t>section headers</a:t>
+            </a:r>
+          </a:p>
+          <a:p>
+            <a:pPr lvl="1"/>
+            <a:r>
+              <a:rPr/>
+              <a:t>A title page is constructed automatically from the document’s title block</a:t>
+            </a:r>
+          </a:p>
+        </p:txBody>
+      </p:sp>
+    </p:spTree>
+  </p:cSld>
+</p:sld>
+</file>
+
+<file path=ppt/slides/slide4.xml><?xml version="1.0" encoding="utf-8"?>
+<p:sld xmlns:a="http://schemas.openxmlformats.org/drawingml/2006/main" xmlns:r="http://schemas.openxmlformats.org/officeDocument/2006/relationships" xmlns:p="http://schemas.openxmlformats.org/presentationml/2006/main">
+  <p:cSld>
+    <p:spTree>
+      <p:nvGrpSpPr>
+        <p:cNvPr id="1" name=""/>
+        <p:cNvGrpSpPr/>
+        <p:nvPr/>
+      </p:nvGrpSpPr>
+      <p:grpSpPr>
+        <a:xfrm>
+          <a:off x="0" y="0"/>
+          <a:ext cx="0" cy="0"/>
+          <a:chOff x="0" y="0"/>
+          <a:chExt cx="0" cy="0"/>
+        </a:xfrm>
+      </p:grpSpPr>
+      <p:sp>
+        <p:nvSpPr>
+          <p:cNvPr id="2" name="Title 1"/>
+          <p:cNvSpPr>
+            <a:spLocks noGrp="1"/>
+          </p:cNvSpPr>
+          <p:nvPr>
+            <p:ph type="title"/>
+          </p:nvPr>
+        </p:nvSpPr>
+        <p:spPr>
+          <a:xfrm>
+            <a:off x="722313" y="4406900"/>
+            <a:ext cx="7772400" cy="1362075"/>
+          </a:xfrm>
+        </p:spPr>
+        <p:txBody>
+          <a:bodyPr/>
+          <a:lstStyle/>
+          <a:p>
+            <a:pPr lvl="0" marL="0" indent="0">
+              <a:buNone/>
+            </a:pPr>
+            <a:r>
+              <a:rPr/>
+              <a:t>Example</a:t>
+            </a:r>
+          </a:p>
+        </p:txBody>
+      </p:sp>
+    </p:spTree>
+  </p:cSld>
+</p:sld>
+</file>
+
+<file path=ppt/slides/slide5.xml><?xml version="1.0" encoding="utf-8"?>
+<p:sld xmlns:a="http://schemas.openxmlformats.org/drawingml/2006/main" xmlns:r="http://schemas.openxmlformats.org/officeDocument/2006/relationships" xmlns:p="http://schemas.openxmlformats.org/presentationml/2006/main">
+  <p:cSld>
+    <p:spTree>
+      <p:nvGrpSpPr>
+        <p:cNvPr id="1" name=""/>
+        <p:cNvGrpSpPr/>
+        <p:nvPr/>
+      </p:nvGrpSpPr>
+      <p:grpSpPr>
+        <a:xfrm>
+          <a:off x="0" y="0"/>
+          <a:ext cx="0" cy="0"/>
+          <a:chOff x="0" y="0"/>
+          <a:chExt cx="0" cy="0"/>
+        </a:xfrm>
+      </p:grpSpPr>
+      <p:sp>
+        <p:nvSpPr>
+          <p:cNvPr id="2" name="Title 1"/>
+          <p:cNvSpPr>
+            <a:spLocks noGrp="1"/>
+          </p:cNvSpPr>
+          <p:nvPr>
+            <p:ph type="title"/>
+          </p:nvPr>
+        </p:nvSpPr>
+        <p:spPr/>
+        <p:txBody>
+          <a:bodyPr/>
+          <a:lstStyle/>
+          <a:p>
+            <a:pPr lvl="0" marL="0" indent="0">
+              <a:buNone/>
+            </a:pPr>
+            <a:r>
+              <a:rPr/>
+              <a:t>Slide</a:t>
+            </a:r>
+            <a:r>
+              <a:rPr/>
+              <a:t> </a:t>
+            </a:r>
+            <a:r>
+              <a:rPr/>
+              <a:t>Level:</a:t>
+            </a:r>
+            <a:r>
+              <a:rPr/>
+              <a:t> </a:t>
+            </a:r>
+            <a:r>
+              <a:rPr/>
+              <a:t>3</a:t>
+            </a:r>
+          </a:p>
+        </p:txBody>
+      </p:sp>
+      <p:sp>
+        <p:nvSpPr>
+          <p:cNvPr id="3" name="Content Placeholder 2"/>
+          <p:cNvSpPr>
+            <a:spLocks noGrp="1"/>
+          </p:cNvSpPr>
+          <p:nvPr>
+            <p:ph idx="1"/>
+          </p:nvPr>
+        </p:nvSpPr>
+        <p:spPr/>
+        <p:txBody>
+          <a:bodyPr/>
+          <a:lstStyle/>
+          <a:p>
+            <a:pPr lvl="0" marL="1270000" indent="0">
+              <a:buNone/>
+            </a:pPr>
+            <a:r>
+              <a:rPr sz="1800">
+                <a:latin typeface="Courier"/>
+              </a:rPr>
+              <a:t>---
+output: 
+  powerpoint_presentation:
+    slide_level: 3
+---
+# Section Header
+By default, content here would normally set this as the slide level 
+### Title and Content Slide
+The override sets this as the new slide level
+#### Bold text
+Text</a:t>
+            </a:r>
+          </a:p>
+        </p:txBody>
+      </p:sp>
+    </p:spTree>
+  </p:cSld>
+</p:sld>
+</file>
+
+<file path=ppt/slides/slide6.xml><?xml version="1.0" encoding="utf-8"?>
+<p:sld xmlns:a="http://schemas.openxmlformats.org/drawingml/2006/main" xmlns:r="http://schemas.openxmlformats.org/officeDocument/2006/relationships" xmlns:p="http://schemas.openxmlformats.org/presentationml/2006/main">
+  <p:cSld>
+    <p:spTree>
+      <p:nvGrpSpPr>
+        <p:cNvPr id="1" name=""/>
+        <p:cNvGrpSpPr/>
+        <p:nvPr/>
+      </p:nvGrpSpPr>
+      <p:grpSpPr>
+        <a:xfrm>
+          <a:off x="0" y="0"/>
+          <a:ext cx="0" cy="0"/>
+          <a:chOff x="0" y="0"/>
+          <a:chExt cx="0" cy="0"/>
+        </a:xfrm>
+      </p:grpSpPr>
+      <p:sp>
+        <p:nvSpPr>
+          <p:cNvPr id="2" name="Title 1"/>
+          <p:cNvSpPr>
+            <a:spLocks noGrp="1"/>
+          </p:cNvSpPr>
+          <p:nvPr>
+            <p:ph type="title"/>
+          </p:nvPr>
+        </p:nvSpPr>
+        <p:spPr>
+          <a:xfrm>
+            <a:off x="722313" y="4406900"/>
+            <a:ext cx="7772400" cy="1362075"/>
+          </a:xfrm>
+        </p:spPr>
+        <p:txBody>
+          <a:bodyPr/>
+          <a:lstStyle/>
+          <a:p>
+            <a:pPr lvl="0" marL="0" indent="0">
+              <a:buNone/>
+            </a:pPr>
+            <a:r>
+              <a:rPr/>
+              <a:t>Section</a:t>
+            </a:r>
+            <a:r>
+              <a:rPr/>
+              <a:t> </a:t>
+            </a:r>
+            <a:r>
+              <a:rPr/>
+              <a:t>Header</a:t>
+            </a:r>
+          </a:p>
+        </p:txBody>
+      </p:sp>
+    </p:spTree>
+  </p:cSld>
+</p:sld>
+</file>
+
+<file path=ppt/slides/slide7.xml><?xml version="1.0" encoding="utf-8"?>
+<p:sld xmlns:a="http://schemas.openxmlformats.org/drawingml/2006/main" xmlns:r="http://schemas.openxmlformats.org/officeDocument/2006/relationships" xmlns:p="http://schemas.openxmlformats.org/presentationml/2006/main">
+  <p:cSld>
+    <p:spTree>
+      <p:nvGrpSpPr>
+        <p:cNvPr id="1" name=""/>
+        <p:cNvGrpSpPr/>
+        <p:nvPr/>
+      </p:nvGrpSpPr>
+      <p:grpSpPr>
+        <a:xfrm>
+          <a:off x="0" y="0"/>
+          <a:ext cx="0" cy="0"/>
+          <a:chOff x="0" y="0"/>
+          <a:chExt cx="0" cy="0"/>
+        </a:xfrm>
+      </p:grpSpPr>
+      <p:sp>
+        <p:nvSpPr>
+          <p:cNvPr id="3" name="Content Placeholder 2"/>
+          <p:cNvSpPr>
+            <a:spLocks noGrp="1"/>
+          </p:cNvSpPr>
+          <p:nvPr>
+            <p:ph idx="1"/>
+          </p:nvPr>
+        </p:nvSpPr>
+        <p:spPr/>
+        <p:txBody>
+          <a:bodyPr/>
+          <a:lstStyle/>
+          <a:p>
+            <a:pPr lvl="0" marL="0" indent="0">
+              <a:buNone/>
+            </a:pPr>
+            <a:r>
+              <a:rPr/>
+              <a:t>By default, content here would normally set this as the slide level</a:t>
+            </a:r>
+          </a:p>
+        </p:txBody>
+      </p:sp>
+    </p:spTree>
+  </p:cSld>
+</p:sld>
+</file>
+
+<file path=ppt/slides/slide8.xml><?xml version="1.0" encoding="utf-8"?>
+<p:sld xmlns:a="http://schemas.openxmlformats.org/drawingml/2006/main" xmlns:r="http://schemas.openxmlformats.org/officeDocument/2006/relationships" xmlns:p="http://schemas.openxmlformats.org/presentationml/2006/main">
+  <p:cSld>
+    <p:spTree>
+      <p:nvGrpSpPr>
+        <p:cNvPr id="1" name=""/>
+        <p:cNvGrpSpPr/>
+        <p:nvPr/>
+      </p:nvGrpSpPr>
+      <p:grpSpPr>
+        <a:xfrm>
+          <a:off x="0" y="0"/>
+          <a:ext cx="0" cy="0"/>
+          <a:chOff x="0" y="0"/>
+          <a:chExt cx="0" cy="0"/>
+        </a:xfrm>
+      </p:grpSpPr>
+      <p:sp>
+        <p:nvSpPr>
+          <p:cNvPr id="2" name="Title 1"/>
+          <p:cNvSpPr>
+            <a:spLocks noGrp="1"/>
+          </p:cNvSpPr>
+          <p:nvPr>
+            <p:ph type="title"/>
+          </p:nvPr>
+        </p:nvSpPr>
+        <p:spPr/>
+        <p:txBody>
+          <a:bodyPr/>
+          <a:lstStyle/>
+          <a:p>
+            <a:pPr lvl="0" marL="0" indent="0">
+              <a:buNone/>
+            </a:pPr>
+            <a:r>
+              <a:rPr/>
+              <a:t>Title</a:t>
+            </a:r>
+            <a:r>
+              <a:rPr/>
+              <a:t> </a:t>
+            </a:r>
+            <a:r>
+              <a:rPr/>
+              <a:t>and</a:t>
+            </a:r>
+            <a:r>
+              <a:rPr/>
+              <a:t> </a:t>
+            </a:r>
+            <a:r>
+              <a:rPr/>
+              <a:t>Content</a:t>
+            </a:r>
+            <a:r>
+              <a:rPr/>
+              <a:t> </a:t>
+            </a:r>
+            <a:r>
+              <a:rPr/>
+              <a:t>Slide</a:t>
+            </a:r>
+          </a:p>
+        </p:txBody>
+      </p:sp>
+      <p:sp>
+        <p:nvSpPr>
+          <p:cNvPr id="3" name="Content Placeholder 2"/>
+          <p:cNvSpPr>
+            <a:spLocks noGrp="1"/>
+          </p:cNvSpPr>
+          <p:nvPr>
+            <p:ph idx="1"/>
+          </p:nvPr>
+        </p:nvSpPr>
+        <p:spPr/>
+        <p:txBody>
+          <a:bodyPr/>
+          <a:lstStyle/>
+          <a:p>
+            <a:pPr lvl="0" marL="0" indent="0">
+              <a:buNone/>
+            </a:pPr>
+            <a:r>
+              <a:rPr/>
+              <a:t>The override sets this as the new slide level</a:t>
             </a:r>
           </a:p>
           <a:p>
@@ -3267,7 +3794,7 @@
             </a:pPr>
             <a:r>
               <a:rPr b="1"/>
-              <a:t>Header 1</a:t>
+              <a:t>Bold text</a:t>
             </a:r>
           </a:p>
           <a:p>
@@ -3276,28 +3803,7 @@
             </a:pPr>
             <a:r>
               <a:rPr/>
-              <a:t>Text 1</a:t>
-            </a:r>
-          </a:p>
-          <a:p>
-            <a:pPr lvl="0" marL="0" indent="0">
-              <a:spcBef>
-                <a:spcPts val="3000"/>
-              </a:spcBef>
-              <a:buNone/>
-            </a:pPr>
-            <a:r>
-              <a:rPr b="1"/>
-              <a:t>Header 2</a:t>
-            </a:r>
-          </a:p>
-          <a:p>
-            <a:pPr lvl="0" marL="0" indent="0">
-              <a:buNone/>
-            </a:pPr>
-            <a:r>
-              <a:rPr/>
-              <a:t>Text 2</a:t>
+              <a:t>Text</a:t>
             </a:r>
           </a:p>
         </p:txBody>

--- a/slide-level/slide-level.pptx
+++ b/slide-level/slide-level.pptx
@@ -3171,11 +3171,11 @@
             </a:pPr>
             <a:r>
               <a:rPr b="1"/>
-              <a:t>Title slide</a:t>
-            </a:r>
-            <a:r>
-              <a:rPr/>
-              <a:t> [optional] defined in the YAML header.</a:t>
+              <a:t>Title</a:t>
+            </a:r>
+            <a:r>
+              <a:rPr/>
+              <a:t>. Defined in the YAML header.</a:t>
             </a:r>
           </a:p>
           <a:p>
@@ -3184,11 +3184,11 @@
             </a:pPr>
             <a:r>
               <a:rPr b="1"/>
-              <a:t>Section header slides</a:t>
-            </a:r>
-            <a:r>
-              <a:rPr/>
-              <a:t> [optional] break the presentation into sections. These slides have a section header but no content.</a:t>
+              <a:t>Section header</a:t>
+            </a:r>
+            <a:r>
+              <a:rPr/>
+              <a:t>. Break the presentation into sections. These slides have a section header but no content.</a:t>
             </a:r>
           </a:p>
           <a:p>
@@ -3197,11 +3197,24 @@
             </a:pPr>
             <a:r>
               <a:rPr b="1"/>
-              <a:t>Title and content slides</a:t>
-            </a:r>
-            <a:r>
-              <a:rPr/>
-              <a:t> display the content in your presentation.</a:t>
+              <a:t>Title and content</a:t>
+            </a:r>
+            <a:r>
+              <a:rPr/>
+              <a:t>. Presentation content.</a:t>
+            </a:r>
+          </a:p>
+          <a:p>
+            <a:pPr lvl="1">
+              <a:buAutoNum type="arabicPeriod"/>
+            </a:pPr>
+            <a:r>
+              <a:rPr b="1"/>
+              <a:t>Two Content</a:t>
+            </a:r>
+            <a:r>
+              <a:rPr/>
+              <a:t>. Presentation content in two columns.</a:t>
             </a:r>
           </a:p>
         </p:txBody>
